--- a/ppt/RTM講習会_第3部.pptx
+++ b/ppt/RTM講習会_第3部.pptx
@@ -9202,7 +9202,7 @@
           <a:graphicData uri="http://schemas.openxmlformats.org/presentationml/2006/ole">
             <mc:AlternateContent xmlns:mc="http://schemas.openxmlformats.org/markup-compatibility/2006">
               <mc:Choice xmlns:v="urn:schemas-microsoft-com:vml" Requires="v">
-                <p:oleObj spid="_x0000_s1186" name="Corel DESIGNER" r:id="rId18" imgW="2743200" imgH="1536480" progId="Corel DESIGNER.Graphic.10">
+                <p:oleObj spid="_x0000_s1187" name="Corel DESIGNER" r:id="rId18" imgW="2743200" imgH="1536480" progId="Corel DESIGNER.Graphic.10">
                   <p:embed/>
                 </p:oleObj>
               </mc:Choice>
@@ -9790,7 +9790,7 @@
           <a:p>
             <a:pPr algn="l" eaLnBrk="1" hangingPunct="1"/>
             <a:r>
-              <a:rPr lang="ja-JP" altLang="en-US">
+              <a:rPr lang="ja-JP" altLang="en-US" dirty="0">
                 <a:solidFill>
                   <a:srgbClr val="5F5F5F"/>
                 </a:solidFill>
@@ -9801,7 +9801,7 @@
           <a:p>
             <a:pPr algn="l" eaLnBrk="1" hangingPunct="1"/>
             <a:r>
-              <a:rPr lang="ja-JP" altLang="en-US" sz="2000">
+              <a:rPr lang="ja-JP" altLang="en-US" sz="2000" dirty="0">
                 <a:solidFill>
                   <a:srgbClr val="5F5F5F"/>
                 </a:solidFill>
@@ -9812,14 +9812,30 @@
           <a:p>
             <a:pPr algn="l" eaLnBrk="1" hangingPunct="1"/>
             <a:r>
-              <a:rPr lang="ja-JP" altLang="en-US" sz="2000">
+              <a:rPr lang="ja-JP" altLang="en-US" sz="2000" dirty="0">
                 <a:solidFill>
                   <a:srgbClr val="5F5F5F"/>
                 </a:solidFill>
               </a:rPr>
-              <a:t>ロボットイノベーション研究センター</a:t>
-            </a:r>
-            <a:endParaRPr lang="en-US" altLang="ja-JP" sz="2000">
+              <a:t>インダストリアル</a:t>
+            </a:r>
+            <a:r>
+              <a:rPr lang="en-US" altLang="ja-JP" sz="2000" dirty="0">
+                <a:solidFill>
+                  <a:srgbClr val="5F5F5F"/>
+                </a:solidFill>
+              </a:rPr>
+              <a:t>CPS</a:t>
+            </a:r>
+            <a:r>
+              <a:rPr lang="ja-JP" altLang="en-US" sz="2000" dirty="0">
+                <a:solidFill>
+                  <a:srgbClr val="5F5F5F"/>
+                </a:solidFill>
+              </a:rPr>
+              <a:t>研究センター</a:t>
+            </a:r>
+            <a:endParaRPr lang="en-US" altLang="ja-JP" sz="2000" dirty="0">
               <a:solidFill>
                 <a:srgbClr val="5F5F5F"/>
               </a:solidFill>
@@ -9833,8 +9849,13 @@
                   <a:srgbClr val="5F5F5F"/>
                 </a:solidFill>
               </a:rPr>
-              <a:t>ロボットソフトウェアプラットフォーム研究チーム</a:t>
-            </a:r>
+              <a:t>ソフトウェアプラットフォーム研究チーム</a:t>
+            </a:r>
+            <a:endParaRPr lang="ja-JP" altLang="en-US" sz="2000" dirty="0">
+              <a:solidFill>
+                <a:srgbClr val="5F5F5F"/>
+              </a:solidFill>
+            </a:endParaRPr>
           </a:p>
         </p:txBody>
       </p:sp>
